--- a/感情パラメタ取得機能/Rekognition_アーキテクチャ_0905.pptx
+++ b/感情パラメタ取得機能/Rekognition_アーキテクチャ_0905.pptx
@@ -104,6 +104,11 @@
       </a:defRPr>
     </a:lvl9pPr>
   </p:defaultTextStyle>
+  <p:extLst>
+    <p:ext uri="{EFAFB233-063F-42B5-8137-9DF3F51BA10A}">
+      <p15:sldGuideLst xmlns:p15="http://schemas.microsoft.com/office/powerpoint/2012/main"/>
+    </p:ext>
+  </p:extLst>
 </p:presentation>
 </file>
 
@@ -254,7 +259,7 @@
           <a:p>
             <a:fld id="{659DEE0B-969C-1A4D-87BA-4B41C854C7B7}" type="datetimeFigureOut">
               <a:rPr kumimoji="1" lang="ja-JP" altLang="en-US" smtClean="0"/>
-              <a:t>2021/9/5</a:t>
+              <a:t>2021/9/12</a:t>
             </a:fld>
             <a:endParaRPr kumimoji="1" lang="ja-JP" altLang="en-US"/>
           </a:p>
@@ -484,7 +489,7 @@
           <a:p>
             <a:fld id="{659DEE0B-969C-1A4D-87BA-4B41C854C7B7}" type="datetimeFigureOut">
               <a:rPr kumimoji="1" lang="ja-JP" altLang="en-US" smtClean="0"/>
-              <a:t>2021/9/5</a:t>
+              <a:t>2021/9/12</a:t>
             </a:fld>
             <a:endParaRPr kumimoji="1" lang="ja-JP" altLang="en-US"/>
           </a:p>
@@ -724,7 +729,7 @@
           <a:p>
             <a:fld id="{659DEE0B-969C-1A4D-87BA-4B41C854C7B7}" type="datetimeFigureOut">
               <a:rPr kumimoji="1" lang="ja-JP" altLang="en-US" smtClean="0"/>
-              <a:t>2021/9/5</a:t>
+              <a:t>2021/9/12</a:t>
             </a:fld>
             <a:endParaRPr kumimoji="1" lang="ja-JP" altLang="en-US"/>
           </a:p>
@@ -954,7 +959,7 @@
           <a:p>
             <a:fld id="{659DEE0B-969C-1A4D-87BA-4B41C854C7B7}" type="datetimeFigureOut">
               <a:rPr kumimoji="1" lang="ja-JP" altLang="en-US" smtClean="0"/>
-              <a:t>2021/9/5</a:t>
+              <a:t>2021/9/12</a:t>
             </a:fld>
             <a:endParaRPr kumimoji="1" lang="ja-JP" altLang="en-US"/>
           </a:p>
@@ -1229,7 +1234,7 @@
           <a:p>
             <a:fld id="{659DEE0B-969C-1A4D-87BA-4B41C854C7B7}" type="datetimeFigureOut">
               <a:rPr kumimoji="1" lang="ja-JP" altLang="en-US" smtClean="0"/>
-              <a:t>2021/9/5</a:t>
+              <a:t>2021/9/12</a:t>
             </a:fld>
             <a:endParaRPr kumimoji="1" lang="ja-JP" altLang="en-US"/>
           </a:p>
@@ -1558,7 +1563,7 @@
           <a:p>
             <a:fld id="{659DEE0B-969C-1A4D-87BA-4B41C854C7B7}" type="datetimeFigureOut">
               <a:rPr kumimoji="1" lang="ja-JP" altLang="en-US" smtClean="0"/>
-              <a:t>2021/9/5</a:t>
+              <a:t>2021/9/12</a:t>
             </a:fld>
             <a:endParaRPr kumimoji="1" lang="ja-JP" altLang="en-US"/>
           </a:p>
@@ -2034,7 +2039,7 @@
           <a:p>
             <a:fld id="{659DEE0B-969C-1A4D-87BA-4B41C854C7B7}" type="datetimeFigureOut">
               <a:rPr kumimoji="1" lang="ja-JP" altLang="en-US" smtClean="0"/>
-              <a:t>2021/9/5</a:t>
+              <a:t>2021/9/12</a:t>
             </a:fld>
             <a:endParaRPr kumimoji="1" lang="ja-JP" altLang="en-US"/>
           </a:p>
@@ -2175,7 +2180,7 @@
           <a:p>
             <a:fld id="{659DEE0B-969C-1A4D-87BA-4B41C854C7B7}" type="datetimeFigureOut">
               <a:rPr kumimoji="1" lang="ja-JP" altLang="en-US" smtClean="0"/>
-              <a:t>2021/9/5</a:t>
+              <a:t>2021/9/12</a:t>
             </a:fld>
             <a:endParaRPr kumimoji="1" lang="ja-JP" altLang="en-US"/>
           </a:p>
@@ -2288,7 +2293,7 @@
           <a:p>
             <a:fld id="{659DEE0B-969C-1A4D-87BA-4B41C854C7B7}" type="datetimeFigureOut">
               <a:rPr kumimoji="1" lang="ja-JP" altLang="en-US" smtClean="0"/>
-              <a:t>2021/9/5</a:t>
+              <a:t>2021/9/12</a:t>
             </a:fld>
             <a:endParaRPr kumimoji="1" lang="ja-JP" altLang="en-US"/>
           </a:p>
@@ -2631,7 +2636,7 @@
           <a:p>
             <a:fld id="{659DEE0B-969C-1A4D-87BA-4B41C854C7B7}" type="datetimeFigureOut">
               <a:rPr kumimoji="1" lang="ja-JP" altLang="en-US" smtClean="0"/>
-              <a:t>2021/9/5</a:t>
+              <a:t>2021/9/12</a:t>
             </a:fld>
             <a:endParaRPr kumimoji="1" lang="ja-JP" altLang="en-US"/>
           </a:p>
@@ -2919,7 +2924,7 @@
           <a:p>
             <a:fld id="{659DEE0B-969C-1A4D-87BA-4B41C854C7B7}" type="datetimeFigureOut">
               <a:rPr kumimoji="1" lang="ja-JP" altLang="en-US" smtClean="0"/>
-              <a:t>2021/9/5</a:t>
+              <a:t>2021/9/12</a:t>
             </a:fld>
             <a:endParaRPr kumimoji="1" lang="ja-JP" altLang="en-US"/>
           </a:p>
@@ -3192,7 +3197,7 @@
           <a:p>
             <a:fld id="{659DEE0B-969C-1A4D-87BA-4B41C854C7B7}" type="datetimeFigureOut">
               <a:rPr kumimoji="1" lang="ja-JP" altLang="en-US" smtClean="0"/>
-              <a:t>2021/9/5</a:t>
+              <a:t>2021/9/12</a:t>
             </a:fld>
             <a:endParaRPr kumimoji="1" lang="ja-JP" altLang="en-US"/>
           </a:p>
@@ -5338,6 +5343,76 @@
           </a:p>
         </p:txBody>
       </p:sp>
+      <p:sp>
+        <p:nvSpPr>
+          <p:cNvPr id="28" name="テキスト ボックス 27">
+            <a:extLst>
+              <a:ext uri="{FF2B5EF4-FFF2-40B4-BE49-F238E27FC236}">
+                <a16:creationId xmlns:a16="http://schemas.microsoft.com/office/drawing/2014/main" id="{BBE4E652-BEBB-834A-98B9-E13F03AD7AF2}"/>
+              </a:ext>
+            </a:extLst>
+          </p:cNvPr>
+          <p:cNvSpPr txBox="1"/>
+          <p:nvPr/>
+        </p:nvSpPr>
+        <p:spPr>
+          <a:xfrm>
+            <a:off x="818256" y="4902475"/>
+            <a:ext cx="4618572" cy="553998"/>
+          </a:xfrm>
+          <a:prstGeom prst="rect">
+            <a:avLst/>
+          </a:prstGeom>
+          <a:noFill/>
+        </p:spPr>
+        <p:txBody>
+          <a:bodyPr wrap="none" rtlCol="0">
+            <a:spAutoFit/>
+          </a:bodyPr>
+          <a:lstStyle/>
+          <a:p>
+            <a:r>
+              <a:rPr kumimoji="1" lang="ja-JP" altLang="en-US" sz="1000"/>
+              <a:t>メモ</a:t>
+            </a:r>
+            <a:endParaRPr kumimoji="1" lang="en-US" altLang="ja-JP" sz="1000" dirty="0"/>
+          </a:p>
+          <a:p>
+            <a:pPr marL="171450" indent="-171450">
+              <a:buFont typeface="Arial" panose="020B0604020202020204" pitchFamily="34" charset="0"/>
+              <a:buChar char="•"/>
+            </a:pPr>
+            <a:r>
+              <a:rPr lang="ja-JP" altLang="en-US" sz="1000"/>
+              <a:t>画像の配置場所はどこにするか</a:t>
+            </a:r>
+            <a:endParaRPr lang="en-US" altLang="ja-JP" sz="1000" dirty="0"/>
+          </a:p>
+          <a:p>
+            <a:pPr marL="628650" lvl="1" indent="-171450">
+              <a:buFont typeface="Arial" panose="020B0604020202020204" pitchFamily="34" charset="0"/>
+              <a:buChar char="•"/>
+            </a:pPr>
+            <a:r>
+              <a:rPr kumimoji="1" lang="ja-JP" altLang="en-US" sz="1000"/>
+              <a:t>→</a:t>
+            </a:r>
+            <a:r>
+              <a:rPr lang="ja-JP" altLang="en-US" sz="1000"/>
+              <a:t>撮影した画像は直接</a:t>
+            </a:r>
+            <a:r>
+              <a:rPr lang="en-US" altLang="ja-JP" sz="1000" dirty="0"/>
+              <a:t>AWS S3</a:t>
+            </a:r>
+            <a:r>
+              <a:rPr lang="ja-JP" altLang="en-US" sz="1000"/>
+              <a:t>に配置することを考えてた（鈴木）</a:t>
+            </a:r>
+            <a:endParaRPr kumimoji="1" lang="ja-JP" altLang="en-US" sz="1000"/>
+          </a:p>
+        </p:txBody>
+      </p:sp>
     </p:spTree>
     <p:extLst>
       <p:ext uri="{BB962C8B-B14F-4D97-AF65-F5344CB8AC3E}">
